--- a/Diodes/HGCAL/Presentation/2022_02_HGCAL_Diodes_Hamburg.pptx
+++ b/Diodes/HGCAL/Presentation/2022_02_HGCAL_Diodes_Hamburg.pptx
@@ -5,7 +5,10 @@
     <p:sldMasterId id="2147483780" r:id="rId1"/>
   </p:sldMasterIdLst>
   <p:sldIdLst>
-    <p:sldId id="267" r:id="rId2"/>
+    <p:sldId id="270" r:id="rId2"/>
+    <p:sldId id="267" r:id="rId3"/>
+    <p:sldId id="268" r:id="rId4"/>
+    <p:sldId id="271" r:id="rId5"/>
   </p:sldIdLst>
   <p:sldSz cx="12192000" cy="6858000"/>
   <p:notesSz cx="6858000" cy="9144000"/>
@@ -267,7 +270,7 @@
           <a:p>
             <a:fld id="{1160EA64-D806-43AC-9DF2-F8C432F32B4C}" type="datetimeFigureOut">
               <a:rPr lang="en-US" smtClean="0"/>
-              <a:t>2/3/22</a:t>
+              <a:t>2/4/22</a:t>
             </a:fld>
             <a:endParaRPr lang="en-US" dirty="0"/>
           </a:p>
@@ -438,7 +441,7 @@
           <a:p>
             <a:fld id="{E9F9C37B-1D36-470B-8223-D6C91242EC14}" type="datetimeFigureOut">
               <a:rPr lang="en-US" smtClean="0"/>
-              <a:t>2/3/22</a:t>
+              <a:t>2/4/22</a:t>
             </a:fld>
             <a:endParaRPr lang="en-US" dirty="0"/>
           </a:p>
@@ -618,7 +621,7 @@
           <a:p>
             <a:fld id="{67C6F52A-A82B-47A2-A83A-8C4C91F2D59F}" type="datetimeFigureOut">
               <a:rPr lang="en-US" smtClean="0"/>
-              <a:t>2/3/22</a:t>
+              <a:t>2/4/22</a:t>
             </a:fld>
             <a:endParaRPr lang="en-US" dirty="0"/>
           </a:p>
@@ -788,7 +791,7 @@
           <a:p>
             <a:fld id="{F070A7B3-6521-4DCA-87E5-044747A908C1}" type="datetimeFigureOut">
               <a:rPr lang="en-US" smtClean="0"/>
-              <a:t>2/3/22</a:t>
+              <a:t>2/4/22</a:t>
             </a:fld>
             <a:endParaRPr lang="en-US" dirty="0"/>
           </a:p>
@@ -1049,7 +1052,7 @@
           <a:p>
             <a:fld id="{1160EA64-D806-43AC-9DF2-F8C432F32B4C}" type="datetimeFigureOut">
               <a:rPr lang="en-US" smtClean="0"/>
-              <a:t>2/3/22</a:t>
+              <a:t>2/4/22</a:t>
             </a:fld>
             <a:endParaRPr lang="en-US" dirty="0"/>
           </a:p>
@@ -1282,7 +1285,7 @@
           <a:p>
             <a:fld id="{AB134690-1557-4C89-A502-4959FE7FAD70}" type="datetimeFigureOut">
               <a:rPr lang="en-US" smtClean="0"/>
-              <a:t>2/3/22</a:t>
+              <a:t>2/4/22</a:t>
             </a:fld>
             <a:endParaRPr lang="en-US" dirty="0"/>
           </a:p>
@@ -1637,7 +1640,7 @@
           <a:p>
             <a:fld id="{1160EA64-D806-43AC-9DF2-F8C432F32B4C}" type="datetimeFigureOut">
               <a:rPr lang="en-US" smtClean="0"/>
-              <a:t>2/3/22</a:t>
+              <a:t>2/4/22</a:t>
             </a:fld>
             <a:endParaRPr lang="en-US" dirty="0"/>
           </a:p>
@@ -1780,7 +1783,7 @@
           <a:p>
             <a:fld id="{E1037C31-9E7A-4F99-8774-A0E530DE1A42}" type="datetimeFigureOut">
               <a:rPr lang="en-US" smtClean="0"/>
-              <a:t>2/3/22</a:t>
+              <a:t>2/4/22</a:t>
             </a:fld>
             <a:endParaRPr lang="en-US" dirty="0"/>
           </a:p>
@@ -1875,7 +1878,7 @@
           <a:p>
             <a:fld id="{C278504F-A551-4DE0-9316-4DCD1D8CC752}" type="datetimeFigureOut">
               <a:rPr lang="en-US" smtClean="0"/>
-              <a:t>2/3/22</a:t>
+              <a:t>2/4/22</a:t>
             </a:fld>
             <a:endParaRPr lang="en-US" dirty="0"/>
           </a:p>
@@ -2232,7 +2235,7 @@
           <a:p>
             <a:fld id="{D1BE4249-C0D0-4B06-8692-E8BB871AF643}" type="datetimeFigureOut">
               <a:rPr lang="en-US" smtClean="0"/>
-              <a:t>2/3/22</a:t>
+              <a:t>2/4/22</a:t>
             </a:fld>
             <a:endParaRPr lang="en-US" dirty="0"/>
           </a:p>
@@ -2550,7 +2553,7 @@
           <a:p>
             <a:fld id="{042B0DB6-F5C7-45FB-8CF3-31B45F9C2DAC}" type="datetimeFigureOut">
               <a:rPr lang="en-US" smtClean="0"/>
-              <a:t>2/3/22</a:t>
+              <a:t>2/4/22</a:t>
             </a:fld>
             <a:endParaRPr lang="en-US" dirty="0"/>
           </a:p>
@@ -2795,7 +2798,7 @@
           <a:p>
             <a:fld id="{1160EA64-D806-43AC-9DF2-F8C432F32B4C}" type="datetimeFigureOut">
               <a:rPr lang="en-US" smtClean="0"/>
-              <a:t>2/3/22</a:t>
+              <a:t>2/4/22</a:t>
             </a:fld>
             <a:endParaRPr lang="en-US" dirty="0"/>
           </a:p>
@@ -3299,6 +3302,16 @@
 <file path=ppt/slides/slide1.xml><?xml version="1.0" encoding="utf-8"?>
 <p:sld xmlns:a="http://schemas.openxmlformats.org/drawingml/2006/main" xmlns:r="http://schemas.openxmlformats.org/officeDocument/2006/relationships" xmlns:p="http://schemas.openxmlformats.org/presentationml/2006/main">
   <p:cSld>
+    <p:bg>
+      <p:bgPr>
+        <a:solidFill>
+          <a:schemeClr val="bg1">
+            <a:lumMod val="95000"/>
+          </a:schemeClr>
+        </a:solidFill>
+        <a:effectLst/>
+      </p:bgPr>
+    </p:bg>
     <p:spTree>
       <p:nvGrpSpPr>
         <p:cNvPr id="1" name=""/>
@@ -3315,6 +3328,200 @@
       </p:grpSpPr>
       <p:sp>
         <p:nvSpPr>
+          <p:cNvPr id="7" name="Title 6">
+            <a:extLst>
+              <a:ext uri="{FF2B5EF4-FFF2-40B4-BE49-F238E27FC236}">
+                <a16:creationId xmlns:a16="http://schemas.microsoft.com/office/drawing/2014/main" id="{0F08261B-2FCE-5041-BBF5-A4B5D8F8E59E}"/>
+              </a:ext>
+            </a:extLst>
+          </p:cNvPr>
+          <p:cNvSpPr>
+            <a:spLocks noGrp="1"/>
+          </p:cNvSpPr>
+          <p:nvPr>
+            <p:ph type="title"/>
+          </p:nvPr>
+        </p:nvSpPr>
+        <p:spPr>
+          <a:xfrm>
+            <a:off x="804672" y="2386744"/>
+            <a:ext cx="4486656" cy="1645920"/>
+          </a:xfrm>
+        </p:spPr>
+        <p:txBody>
+          <a:bodyPr vert="horz" lIns="274320" tIns="182880" rIns="274320" bIns="182880" rtlCol="0" anchor="ctr" anchorCtr="1">
+            <a:normAutofit/>
+          </a:bodyPr>
+          <a:lstStyle/>
+          <a:p>
+            <a:r>
+              <a:rPr lang="en-US" sz="2500" dirty="0">
+                <a:solidFill>
+                  <a:srgbClr val="262626"/>
+                </a:solidFill>
+              </a:rPr>
+              <a:t>HGCAL Hamburg Model Analysis</a:t>
+            </a:r>
+          </a:p>
+        </p:txBody>
+      </p:sp>
+      <p:sp>
+        <p:nvSpPr>
+          <p:cNvPr id="13" name="Rectangle 12">
+            <a:extLst>
+              <a:ext uri="{FF2B5EF4-FFF2-40B4-BE49-F238E27FC236}">
+                <a16:creationId xmlns:a16="http://schemas.microsoft.com/office/drawing/2014/main" id="{379FB9E8-24BD-4435-88BA-64B681D92B53}"/>
+              </a:ext>
+              <a:ext uri="{C183D7F6-B498-43B3-948B-1728B52AA6E4}">
+                <adec:decorative xmlns:adec="http://schemas.microsoft.com/office/drawing/2017/decorative" val="1"/>
+              </a:ext>
+            </a:extLst>
+          </p:cNvPr>
+          <p:cNvSpPr>
+            <a:spLocks noGrp="1" noRot="1" noChangeAspect="1" noMove="1" noResize="1" noEditPoints="1" noAdjustHandles="1" noChangeArrowheads="1" noChangeShapeType="1" noTextEdit="1"/>
+          </p:cNvSpPr>
+          <p:nvPr>
+            <p:extLst>
+              <p:ext uri="{386F3935-93C4-4BCD-93E2-E3B085C9AB24}">
+                <p16:designElem xmlns:p16="http://schemas.microsoft.com/office/powerpoint/2015/main" val="1"/>
+              </p:ext>
+            </p:extLst>
+          </p:nvPr>
+        </p:nvSpPr>
+        <p:spPr>
+          <a:xfrm>
+            <a:off x="6096000" y="0"/>
+            <a:ext cx="6095999" cy="6858000"/>
+          </a:xfrm>
+          <a:prstGeom prst="rect">
+            <a:avLst/>
+          </a:prstGeom>
+          <a:solidFill>
+            <a:srgbClr val="FFFFFF"/>
+          </a:solidFill>
+          <a:ln>
+            <a:noFill/>
+          </a:ln>
+        </p:spPr>
+        <p:style>
+          <a:lnRef idx="2">
+            <a:schemeClr val="accent1">
+              <a:shade val="50000"/>
+            </a:schemeClr>
+          </a:lnRef>
+          <a:fillRef idx="1">
+            <a:schemeClr val="accent1"/>
+          </a:fillRef>
+          <a:effectRef idx="0">
+            <a:schemeClr val="accent1"/>
+          </a:effectRef>
+          <a:fontRef idx="minor">
+            <a:schemeClr val="lt1"/>
+          </a:fontRef>
+        </p:style>
+        <p:txBody>
+          <a:bodyPr rtlCol="0" anchor="ctr"/>
+          <a:lstStyle/>
+          <a:p>
+            <a:pPr algn="ctr"/>
+            <a:endParaRPr lang="en-US"/>
+          </a:p>
+        </p:txBody>
+      </p:sp>
+      <p:pic>
+        <p:nvPicPr>
+          <p:cNvPr id="5" name="Content Placeholder 4" descr="Chart, line chart&#10;&#10;Description automatically generated">
+            <a:extLst>
+              <a:ext uri="{FF2B5EF4-FFF2-40B4-BE49-F238E27FC236}">
+                <a16:creationId xmlns:a16="http://schemas.microsoft.com/office/drawing/2014/main" id="{69F2DE1E-3308-4A45-B637-8BC1D75EB0E7}"/>
+              </a:ext>
+            </a:extLst>
+          </p:cNvPr>
+          <p:cNvPicPr>
+            <a:picLocks noGrp="1" noChangeAspect="1"/>
+          </p:cNvPicPr>
+          <p:nvPr>
+            <p:ph idx="1"/>
+          </p:nvPr>
+        </p:nvPicPr>
+        <p:blipFill>
+          <a:blip r:embed="rId2"/>
+          <a:stretch>
+            <a:fillRect/>
+          </a:stretch>
+        </p:blipFill>
+        <p:spPr>
+          <a:xfrm>
+            <a:off x="7088630" y="101466"/>
+            <a:ext cx="4099959" cy="3085218"/>
+          </a:xfrm>
+          <a:prstGeom prst="rect">
+            <a:avLst/>
+          </a:prstGeom>
+        </p:spPr>
+      </p:pic>
+      <p:pic>
+        <p:nvPicPr>
+          <p:cNvPr id="8" name="Picture 7" descr="Diagram&#10;&#10;Description automatically generated">
+            <a:extLst>
+              <a:ext uri="{FF2B5EF4-FFF2-40B4-BE49-F238E27FC236}">
+                <a16:creationId xmlns:a16="http://schemas.microsoft.com/office/drawing/2014/main" id="{18306F52-AC69-0548-931B-E4DD56D57F06}"/>
+              </a:ext>
+            </a:extLst>
+          </p:cNvPr>
+          <p:cNvPicPr>
+            <a:picLocks noChangeAspect="1"/>
+          </p:cNvPicPr>
+          <p:nvPr/>
+        </p:nvPicPr>
+        <p:blipFill>
+          <a:blip r:embed="rId3"/>
+          <a:stretch>
+            <a:fillRect/>
+          </a:stretch>
+        </p:blipFill>
+        <p:spPr>
+          <a:xfrm>
+            <a:off x="6733030" y="3671316"/>
+            <a:ext cx="4818890" cy="2048026"/>
+          </a:xfrm>
+          <a:prstGeom prst="rect">
+            <a:avLst/>
+          </a:prstGeom>
+        </p:spPr>
+      </p:pic>
+    </p:spTree>
+    <p:extLst>
+      <p:ext uri="{BB962C8B-B14F-4D97-AF65-F5344CB8AC3E}">
+        <p14:creationId xmlns:p14="http://schemas.microsoft.com/office/powerpoint/2010/main" val="4138532964"/>
+      </p:ext>
+    </p:extLst>
+  </p:cSld>
+  <p:clrMapOvr>
+    <a:masterClrMapping/>
+  </p:clrMapOvr>
+</p:sld>
+</file>
+
+<file path=ppt/slides/slide2.xml><?xml version="1.0" encoding="utf-8"?>
+<p:sld xmlns:a="http://schemas.openxmlformats.org/drawingml/2006/main" xmlns:r="http://schemas.openxmlformats.org/officeDocument/2006/relationships" xmlns:p="http://schemas.openxmlformats.org/presentationml/2006/main">
+  <p:cSld>
+    <p:spTree>
+      <p:nvGrpSpPr>
+        <p:cNvPr id="1" name=""/>
+        <p:cNvGrpSpPr/>
+        <p:nvPr/>
+      </p:nvGrpSpPr>
+      <p:grpSpPr>
+        <a:xfrm>
+          <a:off x="0" y="0"/>
+          <a:ext cx="0" cy="0"/>
+          <a:chOff x="0" y="0"/>
+          <a:chExt cx="0" cy="0"/>
+        </a:xfrm>
+      </p:grpSpPr>
+      <p:sp>
+        <p:nvSpPr>
           <p:cNvPr id="3" name="Title 2">
             <a:extLst>
               <a:ext uri="{FF2B5EF4-FFF2-40B4-BE49-F238E27FC236}">
@@ -3347,13 +3554,13 @@
             </a:r>
             <a:r>
               <a:rPr lang="en-US" dirty="0"/>
-              <a:t> Hamburg Model Fit</a:t>
-            </a:r>
-          </a:p>
-        </p:txBody>
-      </p:sp>
-      <mc:AlternateContent xmlns:mc="http://schemas.openxmlformats.org/markup-compatibility/2006" xmlns:a14="http://schemas.microsoft.com/office/drawing/2010/main">
-        <mc:Choice Requires="a14">
+              <a:t> 2.2 Hamburg Model Fit</a:t>
+            </a:r>
+          </a:p>
+        </p:txBody>
+      </p:sp>
+      <mc:AlternateContent xmlns:mc="http://schemas.openxmlformats.org/markup-compatibility/2006">
+        <mc:Choice xmlns:a14="http://schemas.microsoft.com/office/drawing/2010/main" Requires="a14">
           <p:sp>
             <p:nvSpPr>
               <p:cNvPr id="5" name="Text Placeholder 4">
@@ -3372,8 +3579,8 @@
             </p:nvSpPr>
             <p:spPr>
               <a:xfrm>
-                <a:off x="289367" y="2279980"/>
-                <a:ext cx="5625296" cy="2916049"/>
+                <a:off x="674463" y="2748529"/>
+                <a:ext cx="4579926" cy="1800966"/>
               </a:xfrm>
             </p:spPr>
             <p:txBody>
@@ -3587,19 +3794,10 @@
                 </a:pPr>
                 <a:r>
                   <a:rPr lang="en-US" sz="1300" dirty="0">
-                    <a:effectLst/>
                     <a:latin typeface="Times New Roman" panose="02020603050405020304" pitchFamily="18" charset="0"/>
                     <a:cs typeface="Times New Roman" panose="02020603050405020304" pitchFamily="18" charset="0"/>
                   </a:rPr>
-                  <a:t>Planning on annealing up to ~ 600 minutes, but in larger steps of 30 – </a:t>
-                </a:r>
-                <a:r>
-                  <a:rPr lang="en-US" sz="1300">
-                    <a:effectLst/>
-                    <a:latin typeface="Times New Roman" panose="02020603050405020304" pitchFamily="18" charset="0"/>
-                    <a:cs typeface="Times New Roman" panose="02020603050405020304" pitchFamily="18" charset="0"/>
-                  </a:rPr>
-                  <a:t>60 minutes</a:t>
+                  <a:t>At ~ 17 minutes DIODE registers 9.54E+14 fluence (1 MeV n/cm^-2)</a:t>
                 </a:r>
               </a:p>
               <a:p>
@@ -3623,7 +3821,7 @@
             </p:txBody>
           </p:sp>
         </mc:Choice>
-        <mc:Fallback xmlns="">
+        <mc:Fallback>
           <p:sp>
             <p:nvSpPr>
               <p:cNvPr id="5" name="Text Placeholder 4">
@@ -3642,13 +3840,13 @@
             </p:nvSpPr>
             <p:spPr>
               <a:xfrm>
-                <a:off x="289367" y="2279980"/>
-                <a:ext cx="5625296" cy="2916049"/>
+                <a:off x="674463" y="2748529"/>
+                <a:ext cx="4579926" cy="1800966"/>
               </a:xfrm>
               <a:blipFill>
                 <a:blip r:embed="rId2"/>
                 <a:stretch>
-                  <a:fillRect/>
+                  <a:fillRect l="-277"/>
                 </a:stretch>
               </a:blipFill>
             </p:spPr>
@@ -3669,10 +3867,10 @@
       </mc:AlternateContent>
       <p:pic>
         <p:nvPicPr>
-          <p:cNvPr id="8" name="Picture 7">
+          <p:cNvPr id="17" name="Picture 16">
             <a:extLst>
               <a:ext uri="{FF2B5EF4-FFF2-40B4-BE49-F238E27FC236}">
-                <a16:creationId xmlns:a16="http://schemas.microsoft.com/office/drawing/2014/main" id="{7836B025-4266-224A-8270-C42A36BE644F}"/>
+                <a16:creationId xmlns:a16="http://schemas.microsoft.com/office/drawing/2014/main" id="{63E0F7A3-AE95-8E4F-B412-8550620DB779}"/>
               </a:ext>
             </a:extLst>
           </p:cNvPr>
@@ -3689,8 +3887,8 @@
         </p:blipFill>
         <p:spPr>
           <a:xfrm>
-            <a:off x="1544070" y="5213845"/>
-            <a:ext cx="2775842" cy="1008524"/>
+            <a:off x="124198" y="4587153"/>
+            <a:ext cx="5881134" cy="1130512"/>
           </a:xfrm>
           <a:prstGeom prst="rect">
             <a:avLst/>
@@ -3699,10 +3897,10 @@
       </p:pic>
       <p:pic>
         <p:nvPicPr>
-          <p:cNvPr id="10" name="Picture 9" descr="Diagram&#10;&#10;Description automatically generated">
+          <p:cNvPr id="18" name="Picture 17" descr="Diagram&#10;&#10;Description automatically generated">
             <a:extLst>
               <a:ext uri="{FF2B5EF4-FFF2-40B4-BE49-F238E27FC236}">
-                <a16:creationId xmlns:a16="http://schemas.microsoft.com/office/drawing/2014/main" id="{37122DFD-FA76-5647-8022-738F0F4BFA86}"/>
+                <a16:creationId xmlns:a16="http://schemas.microsoft.com/office/drawing/2014/main" id="{8C46B013-4F6B-E34D-A51A-2C429AFFDB45}"/>
               </a:ext>
             </a:extLst>
           </p:cNvPr>
@@ -3719,8 +3917,8 @@
         </p:blipFill>
         <p:spPr>
           <a:xfrm>
-            <a:off x="1865458" y="1140335"/>
-            <a:ext cx="2133066" cy="905760"/>
+            <a:off x="1450493" y="1067525"/>
+            <a:ext cx="3028233" cy="1285873"/>
           </a:xfrm>
           <a:prstGeom prst="rect">
             <a:avLst/>
@@ -3729,10 +3927,10 @@
       </p:pic>
       <p:pic>
         <p:nvPicPr>
-          <p:cNvPr id="12" name="Picture 11" descr="Chart, line chart&#10;&#10;Description automatically generated">
+          <p:cNvPr id="8" name="Picture 7" descr="Chart, line chart&#10;&#10;Description automatically generated">
             <a:extLst>
               <a:ext uri="{FF2B5EF4-FFF2-40B4-BE49-F238E27FC236}">
-                <a16:creationId xmlns:a16="http://schemas.microsoft.com/office/drawing/2014/main" id="{4CD13F8C-7429-A542-91A7-DA9FD99ABC71}"/>
+                <a16:creationId xmlns:a16="http://schemas.microsoft.com/office/drawing/2014/main" id="{67BA8B4E-4912-D944-A089-87A35D964490}"/>
               </a:ext>
             </a:extLst>
           </p:cNvPr>
@@ -3749,8 +3947,8 @@
         </p:blipFill>
         <p:spPr>
           <a:xfrm>
-            <a:off x="7189657" y="0"/>
-            <a:ext cx="3945301" cy="2968589"/>
+            <a:off x="6096000" y="-4461"/>
+            <a:ext cx="6096000" cy="3279028"/>
           </a:xfrm>
           <a:prstGeom prst="rect">
             <a:avLst/>
@@ -3759,19 +3957,17 @@
       </p:pic>
       <p:pic>
         <p:nvPicPr>
-          <p:cNvPr id="16" name="Content Placeholder 15" descr="Chart&#10;&#10;Description automatically generated">
+          <p:cNvPr id="4" name="Picture 3" descr="Chart, line chart&#10;&#10;Description automatically generated">
             <a:extLst>
               <a:ext uri="{FF2B5EF4-FFF2-40B4-BE49-F238E27FC236}">
-                <a16:creationId xmlns:a16="http://schemas.microsoft.com/office/drawing/2014/main" id="{A9FA1A84-4B25-704A-BA58-221B59A35E28}"/>
+                <a16:creationId xmlns:a16="http://schemas.microsoft.com/office/drawing/2014/main" id="{E0C21026-BB7C-A043-BF4C-988B787D2F05}"/>
               </a:ext>
             </a:extLst>
           </p:cNvPr>
           <p:cNvPicPr>
-            <a:picLocks noGrp="1" noChangeAspect="1"/>
+            <a:picLocks noChangeAspect="1"/>
           </p:cNvPicPr>
-          <p:nvPr>
-            <p:ph idx="1"/>
-          </p:nvPr>
+          <p:nvPr/>
         </p:nvPicPr>
         <p:blipFill>
           <a:blip r:embed="rId6"/>
@@ -3781,15 +3977,712 @@
         </p:blipFill>
         <p:spPr>
           <a:xfrm>
-            <a:off x="7189657" y="2968589"/>
-            <a:ext cx="3854482" cy="3854482"/>
+            <a:off x="6096000" y="3274567"/>
+            <a:ext cx="6096000" cy="3583432"/>
+          </a:xfrm>
+          <a:prstGeom prst="rect">
+            <a:avLst/>
+          </a:prstGeom>
+        </p:spPr>
+      </p:pic>
+    </p:spTree>
+    <p:extLst>
+      <p:ext uri="{BB962C8B-B14F-4D97-AF65-F5344CB8AC3E}">
+        <p14:creationId xmlns:p14="http://schemas.microsoft.com/office/powerpoint/2010/main" val="719005266"/>
+      </p:ext>
+    </p:extLst>
+  </p:cSld>
+  <p:clrMapOvr>
+    <a:masterClrMapping/>
+  </p:clrMapOvr>
+</p:sld>
+</file>
+
+<file path=ppt/slides/slide3.xml><?xml version="1.0" encoding="utf-8"?>
+<p:sld xmlns:a="http://schemas.openxmlformats.org/drawingml/2006/main" xmlns:r="http://schemas.openxmlformats.org/officeDocument/2006/relationships" xmlns:p="http://schemas.openxmlformats.org/presentationml/2006/main">
+  <p:cSld>
+    <p:spTree>
+      <p:nvGrpSpPr>
+        <p:cNvPr id="1" name=""/>
+        <p:cNvGrpSpPr/>
+        <p:nvPr/>
+      </p:nvGrpSpPr>
+      <p:grpSpPr>
+        <a:xfrm>
+          <a:off x="0" y="0"/>
+          <a:ext cx="0" cy="0"/>
+          <a:chOff x="0" y="0"/>
+          <a:chExt cx="0" cy="0"/>
+        </a:xfrm>
+      </p:grpSpPr>
+      <p:sp>
+        <p:nvSpPr>
+          <p:cNvPr id="3" name="Title 2">
+            <a:extLst>
+              <a:ext uri="{FF2B5EF4-FFF2-40B4-BE49-F238E27FC236}">
+                <a16:creationId xmlns:a16="http://schemas.microsoft.com/office/drawing/2014/main" id="{41496564-730F-4B45-A2DF-913EE22936D6}"/>
+              </a:ext>
+            </a:extLst>
+          </p:cNvPr>
+          <p:cNvSpPr>
+            <a:spLocks noGrp="1"/>
+          </p:cNvSpPr>
+          <p:nvPr>
+            <p:ph type="title"/>
+          </p:nvPr>
+        </p:nvSpPr>
+        <p:spPr>
+          <a:xfrm>
+            <a:off x="852711" y="177538"/>
+            <a:ext cx="4223799" cy="728912"/>
+          </a:xfrm>
+        </p:spPr>
+        <p:txBody>
+          <a:bodyPr>
+            <a:normAutofit fontScale="90000"/>
+          </a:bodyPr>
+          <a:lstStyle/>
+          <a:p>
+            <a:r>
+              <a:rPr lang="en-US" dirty="0" err="1"/>
+              <a:t>HGCAl</a:t>
+            </a:r>
+            <a:r>
+              <a:rPr lang="en-US" dirty="0"/>
+              <a:t> 2.3 Hamburg Model Fit</a:t>
+            </a:r>
+          </a:p>
+        </p:txBody>
+      </p:sp>
+      <p:sp>
+        <p:nvSpPr>
+          <p:cNvPr id="5" name="Text Placeholder 4">
+            <a:extLst>
+              <a:ext uri="{FF2B5EF4-FFF2-40B4-BE49-F238E27FC236}">
+                <a16:creationId xmlns:a16="http://schemas.microsoft.com/office/drawing/2014/main" id="{3F93C608-C951-E14F-A8F9-507A74A14E64}"/>
+              </a:ext>
+            </a:extLst>
+          </p:cNvPr>
+          <p:cNvSpPr>
+            <a:spLocks noGrp="1"/>
+          </p:cNvSpPr>
+          <p:nvPr>
+            <p:ph type="body" sz="half" idx="2"/>
+          </p:nvPr>
+        </p:nvSpPr>
+        <p:spPr>
+          <a:xfrm>
+            <a:off x="813089" y="2812964"/>
+            <a:ext cx="4419111" cy="1796872"/>
+          </a:xfrm>
+        </p:spPr>
+        <p:txBody>
+          <a:bodyPr>
+            <a:normAutofit/>
+          </a:bodyPr>
+          <a:lstStyle/>
+          <a:p>
+            <a:pPr marL="285750" indent="-285750" algn="l">
+              <a:buFont typeface="Arial" panose="020B0604020202020204" pitchFamily="34" charset="0"/>
+              <a:buChar char="•"/>
+            </a:pPr>
+            <a:r>
+              <a:rPr lang="en-US" sz="1300" dirty="0">
+                <a:latin typeface="Times New Roman" panose="02020603050405020304" pitchFamily="18" charset="0"/>
+                <a:cs typeface="Times New Roman" panose="02020603050405020304" pitchFamily="18" charset="0"/>
+              </a:rPr>
+              <a:t>At ~ 40 minutes DIODE registers 2.78E+15 fluence (1 MeV n/cm^-2)</a:t>
+            </a:r>
+          </a:p>
+          <a:p>
+            <a:pPr marL="285750" indent="-285750" algn="l">
+              <a:buFont typeface="Arial" panose="020B0604020202020204" pitchFamily="34" charset="0"/>
+              <a:buChar char="•"/>
+            </a:pPr>
+            <a:r>
+              <a:rPr lang="en-US" sz="1300" dirty="0">
+                <a:effectLst/>
+                <a:latin typeface="Times New Roman" panose="02020603050405020304" pitchFamily="18" charset="0"/>
+                <a:cs typeface="Times New Roman" panose="02020603050405020304" pitchFamily="18" charset="0"/>
+              </a:rPr>
+              <a:t>Planning on annealing up to ~ 600 minutes, but in larger steps of 30 – 60 minutes</a:t>
+            </a:r>
+          </a:p>
+          <a:p>
+            <a:pPr marL="285750" indent="-285750" algn="l">
+              <a:buFont typeface="Arial" panose="020B0604020202020204" pitchFamily="34" charset="0"/>
+              <a:buChar char="•"/>
+            </a:pPr>
+            <a:endParaRPr lang="en-US" sz="1300" dirty="0">
+              <a:effectLst/>
+              <a:latin typeface="Times New Roman" panose="02020603050405020304" pitchFamily="18" charset="0"/>
+              <a:cs typeface="Times New Roman" panose="02020603050405020304" pitchFamily="18" charset="0"/>
+            </a:endParaRPr>
+          </a:p>
+          <a:p>
+            <a:pPr marL="285750" indent="-285750" algn="l">
+              <a:buFont typeface="Arial" panose="020B0604020202020204" pitchFamily="34" charset="0"/>
+              <a:buChar char="•"/>
+            </a:pPr>
+            <a:endParaRPr lang="en-US" dirty="0"/>
+          </a:p>
+        </p:txBody>
+      </p:sp>
+      <p:pic>
+        <p:nvPicPr>
+          <p:cNvPr id="10" name="Picture 9" descr="Diagram&#10;&#10;Description automatically generated">
+            <a:extLst>
+              <a:ext uri="{FF2B5EF4-FFF2-40B4-BE49-F238E27FC236}">
+                <a16:creationId xmlns:a16="http://schemas.microsoft.com/office/drawing/2014/main" id="{37122DFD-FA76-5647-8022-738F0F4BFA86}"/>
+              </a:ext>
+            </a:extLst>
+          </p:cNvPr>
+          <p:cNvPicPr>
+            <a:picLocks noChangeAspect="1"/>
+          </p:cNvPicPr>
+          <p:nvPr/>
+        </p:nvPicPr>
+        <p:blipFill>
+          <a:blip r:embed="rId2"/>
+          <a:stretch>
+            <a:fillRect/>
+          </a:stretch>
+        </p:blipFill>
+        <p:spPr>
+          <a:xfrm>
+            <a:off x="1450493" y="1067525"/>
+            <a:ext cx="3028233" cy="1285873"/>
+          </a:xfrm>
+          <a:prstGeom prst="rect">
+            <a:avLst/>
+          </a:prstGeom>
+        </p:spPr>
+      </p:pic>
+      <p:pic>
+        <p:nvPicPr>
+          <p:cNvPr id="4" name="Picture 3" descr="Chart&#10;&#10;Description automatically generated">
+            <a:extLst>
+              <a:ext uri="{FF2B5EF4-FFF2-40B4-BE49-F238E27FC236}">
+                <a16:creationId xmlns:a16="http://schemas.microsoft.com/office/drawing/2014/main" id="{B60A74C8-65CC-C948-9088-BE42E4D2200F}"/>
+              </a:ext>
+            </a:extLst>
+          </p:cNvPr>
+          <p:cNvPicPr>
+            <a:picLocks noChangeAspect="1"/>
+          </p:cNvPicPr>
+          <p:nvPr/>
+        </p:nvPicPr>
+        <p:blipFill>
+          <a:blip r:embed="rId3"/>
+          <a:stretch>
+            <a:fillRect/>
+          </a:stretch>
+        </p:blipFill>
+        <p:spPr>
+          <a:xfrm>
+            <a:off x="6096000" y="3170955"/>
+            <a:ext cx="6096000" cy="3657600"/>
+          </a:xfrm>
+          <a:prstGeom prst="rect">
+            <a:avLst/>
+          </a:prstGeom>
+        </p:spPr>
+      </p:pic>
+      <p:pic>
+        <p:nvPicPr>
+          <p:cNvPr id="9" name="Picture 8" descr="Table&#10;&#10;Description automatically generated">
+            <a:extLst>
+              <a:ext uri="{FF2B5EF4-FFF2-40B4-BE49-F238E27FC236}">
+                <a16:creationId xmlns:a16="http://schemas.microsoft.com/office/drawing/2014/main" id="{6D61AA13-6D19-7949-9369-493DE39ED9AB}"/>
+              </a:ext>
+            </a:extLst>
+          </p:cNvPr>
+          <p:cNvPicPr>
+            <a:picLocks noChangeAspect="1"/>
+          </p:cNvPicPr>
+          <p:nvPr/>
+        </p:nvPicPr>
+        <p:blipFill>
+          <a:blip r:embed="rId4"/>
+          <a:stretch>
+            <a:fillRect/>
+          </a:stretch>
+        </p:blipFill>
+        <p:spPr>
+          <a:xfrm>
+            <a:off x="39960" y="4609836"/>
+            <a:ext cx="5965371" cy="1172385"/>
+          </a:xfrm>
+          <a:prstGeom prst="rect">
+            <a:avLst/>
+          </a:prstGeom>
+        </p:spPr>
+      </p:pic>
+      <p:pic>
+        <p:nvPicPr>
+          <p:cNvPr id="8" name="Content Placeholder 5" descr="Chart, line chart&#10;&#10;Description automatically generated">
+            <a:extLst>
+              <a:ext uri="{FF2B5EF4-FFF2-40B4-BE49-F238E27FC236}">
+                <a16:creationId xmlns:a16="http://schemas.microsoft.com/office/drawing/2014/main" id="{33664619-2C4D-1840-963A-47179C92AA93}"/>
+              </a:ext>
+            </a:extLst>
+          </p:cNvPr>
+          <p:cNvPicPr>
+            <a:picLocks noGrp="1" noChangeAspect="1"/>
+          </p:cNvPicPr>
+          <p:nvPr>
+            <p:ph idx="1"/>
+          </p:nvPr>
+        </p:nvPicPr>
+        <p:blipFill>
+          <a:blip r:embed="rId5"/>
+          <a:stretch>
+            <a:fillRect/>
+          </a:stretch>
+        </p:blipFill>
+        <p:spPr>
+          <a:xfrm>
+            <a:off x="6096000" y="0"/>
+            <a:ext cx="6095999" cy="3170955"/>
           </a:xfrm>
         </p:spPr>
       </p:pic>
     </p:spTree>
     <p:extLst>
       <p:ext uri="{BB962C8B-B14F-4D97-AF65-F5344CB8AC3E}">
-        <p14:creationId xmlns:p14="http://schemas.microsoft.com/office/powerpoint/2010/main" val="719005266"/>
+        <p14:creationId xmlns:p14="http://schemas.microsoft.com/office/powerpoint/2010/main" val="1078328918"/>
+      </p:ext>
+    </p:extLst>
+  </p:cSld>
+  <p:clrMapOvr>
+    <a:masterClrMapping/>
+  </p:clrMapOvr>
+</p:sld>
+</file>
+
+<file path=ppt/slides/slide4.xml><?xml version="1.0" encoding="utf-8"?>
+<p:sld xmlns:a="http://schemas.openxmlformats.org/drawingml/2006/main" xmlns:r="http://schemas.openxmlformats.org/officeDocument/2006/relationships" xmlns:p="http://schemas.openxmlformats.org/presentationml/2006/main">
+  <p:cSld>
+    <p:spTree>
+      <p:nvGrpSpPr>
+        <p:cNvPr id="1" name=""/>
+        <p:cNvGrpSpPr/>
+        <p:nvPr/>
+      </p:nvGrpSpPr>
+      <p:grpSpPr>
+        <a:xfrm>
+          <a:off x="0" y="0"/>
+          <a:ext cx="0" cy="0"/>
+          <a:chOff x="0" y="0"/>
+          <a:chExt cx="0" cy="0"/>
+        </a:xfrm>
+      </p:grpSpPr>
+      <p:sp>
+        <p:nvSpPr>
+          <p:cNvPr id="2" name="Title 1">
+            <a:extLst>
+              <a:ext uri="{FF2B5EF4-FFF2-40B4-BE49-F238E27FC236}">
+                <a16:creationId xmlns:a16="http://schemas.microsoft.com/office/drawing/2014/main" id="{37F4D75F-F8CB-224B-AD2A-B93F5B258D7A}"/>
+              </a:ext>
+            </a:extLst>
+          </p:cNvPr>
+          <p:cNvSpPr>
+            <a:spLocks noGrp="1"/>
+          </p:cNvSpPr>
+          <p:nvPr>
+            <p:ph type="ctrTitle"/>
+          </p:nvPr>
+        </p:nvSpPr>
+        <p:spPr>
+          <a:xfrm>
+            <a:off x="4208069" y="623738"/>
+            <a:ext cx="3797300" cy="1007738"/>
+          </a:xfrm>
+        </p:spPr>
+        <p:txBody>
+          <a:bodyPr>
+            <a:normAutofit/>
+          </a:bodyPr>
+          <a:lstStyle/>
+          <a:p>
+            <a:r>
+              <a:rPr lang="en-US" sz="2500" dirty="0"/>
+              <a:t>Comments</a:t>
+            </a:r>
+          </a:p>
+        </p:txBody>
+      </p:sp>
+      <p:sp>
+        <p:nvSpPr>
+          <p:cNvPr id="5" name="Text Placeholder 4">
+            <a:extLst>
+              <a:ext uri="{FF2B5EF4-FFF2-40B4-BE49-F238E27FC236}">
+                <a16:creationId xmlns:a16="http://schemas.microsoft.com/office/drawing/2014/main" id="{4509CBBA-8542-FC4F-B965-148CB0BB9796}"/>
+              </a:ext>
+            </a:extLst>
+          </p:cNvPr>
+          <p:cNvSpPr txBox="1">
+            <a:spLocks/>
+          </p:cNvSpPr>
+          <p:nvPr/>
+        </p:nvSpPr>
+        <p:spPr>
+          <a:xfrm>
+            <a:off x="2704721" y="2501711"/>
+            <a:ext cx="6782557" cy="3203054"/>
+          </a:xfrm>
+          <a:prstGeom prst="rect">
+            <a:avLst/>
+          </a:prstGeom>
+        </p:spPr>
+        <p:txBody>
+          <a:bodyPr vert="horz" lIns="91440" tIns="45720" rIns="91440" bIns="45720" rtlCol="0" anchor="t" anchorCtr="1">
+            <a:normAutofit fontScale="92500" lnSpcReduction="10000"/>
+          </a:bodyPr>
+          <a:lstStyle>
+            <a:lvl1pPr marL="0" indent="0" algn="ctr" defTabSz="914400" rtl="0" eaLnBrk="1" latinLnBrk="0" hangingPunct="1">
+              <a:lnSpc>
+                <a:spcPct val="100000"/>
+              </a:lnSpc>
+              <a:spcBef>
+                <a:spcPts val="1000"/>
+              </a:spcBef>
+              <a:buClr>
+                <a:schemeClr val="accent2"/>
+              </a:buClr>
+              <a:buFont typeface="Arial" panose="020B0604020202020204" pitchFamily="34" charset="0"/>
+              <a:buNone/>
+              <a:defRPr sz="1500" kern="1200">
+                <a:solidFill>
+                  <a:schemeClr val="tx1"/>
+                </a:solidFill>
+                <a:latin typeface="+mn-lt"/>
+                <a:ea typeface="+mn-ea"/>
+                <a:cs typeface="+mn-cs"/>
+              </a:defRPr>
+            </a:lvl1pPr>
+            <a:lvl2pPr marL="457200" indent="0" algn="l" defTabSz="914400" rtl="0" eaLnBrk="1" latinLnBrk="0" hangingPunct="1">
+              <a:lnSpc>
+                <a:spcPct val="100000"/>
+              </a:lnSpc>
+              <a:spcBef>
+                <a:spcPts val="1000"/>
+              </a:spcBef>
+              <a:buClr>
+                <a:schemeClr val="accent2"/>
+              </a:buClr>
+              <a:buFont typeface="Arial" panose="020B0604020202020204" pitchFamily="34" charset="0"/>
+              <a:buNone/>
+              <a:defRPr sz="1400" kern="1200">
+                <a:solidFill>
+                  <a:schemeClr val="tx1">
+                    <a:lumMod val="85000"/>
+                    <a:lumOff val="15000"/>
+                  </a:schemeClr>
+                </a:solidFill>
+                <a:latin typeface="+mn-lt"/>
+                <a:ea typeface="+mn-ea"/>
+                <a:cs typeface="+mn-cs"/>
+              </a:defRPr>
+            </a:lvl2pPr>
+            <a:lvl3pPr marL="914400" indent="0" algn="l" defTabSz="914400" rtl="0" eaLnBrk="1" latinLnBrk="0" hangingPunct="1">
+              <a:lnSpc>
+                <a:spcPct val="100000"/>
+              </a:lnSpc>
+              <a:spcBef>
+                <a:spcPts val="1000"/>
+              </a:spcBef>
+              <a:buClr>
+                <a:schemeClr val="accent2"/>
+              </a:buClr>
+              <a:buFont typeface="Arial" panose="020B0604020202020204" pitchFamily="34" charset="0"/>
+              <a:buNone/>
+              <a:defRPr sz="1200" kern="1200">
+                <a:solidFill>
+                  <a:schemeClr val="tx1">
+                    <a:lumMod val="85000"/>
+                    <a:lumOff val="15000"/>
+                  </a:schemeClr>
+                </a:solidFill>
+                <a:latin typeface="+mn-lt"/>
+                <a:ea typeface="+mn-ea"/>
+                <a:cs typeface="+mn-cs"/>
+              </a:defRPr>
+            </a:lvl3pPr>
+            <a:lvl4pPr marL="1371600" indent="0" algn="l" defTabSz="914400" rtl="0" eaLnBrk="1" latinLnBrk="0" hangingPunct="1">
+              <a:lnSpc>
+                <a:spcPct val="100000"/>
+              </a:lnSpc>
+              <a:spcBef>
+                <a:spcPts val="1000"/>
+              </a:spcBef>
+              <a:buClr>
+                <a:schemeClr val="accent2"/>
+              </a:buClr>
+              <a:buFont typeface="Arial" panose="020B0604020202020204" pitchFamily="34" charset="0"/>
+              <a:buNone/>
+              <a:defRPr sz="1000" kern="1200">
+                <a:solidFill>
+                  <a:schemeClr val="tx1">
+                    <a:lumMod val="85000"/>
+                    <a:lumOff val="15000"/>
+                  </a:schemeClr>
+                </a:solidFill>
+                <a:latin typeface="+mn-lt"/>
+                <a:ea typeface="+mn-ea"/>
+                <a:cs typeface="+mn-cs"/>
+              </a:defRPr>
+            </a:lvl4pPr>
+            <a:lvl5pPr marL="1828800" indent="0" algn="l" defTabSz="914400" rtl="0" eaLnBrk="1" latinLnBrk="0" hangingPunct="1">
+              <a:lnSpc>
+                <a:spcPct val="100000"/>
+              </a:lnSpc>
+              <a:spcBef>
+                <a:spcPts val="1000"/>
+              </a:spcBef>
+              <a:buClr>
+                <a:schemeClr val="accent2"/>
+              </a:buClr>
+              <a:buFont typeface="Arial" panose="020B0604020202020204" pitchFamily="34" charset="0"/>
+              <a:buNone/>
+              <a:defRPr sz="1000" kern="1200">
+                <a:solidFill>
+                  <a:schemeClr val="tx1">
+                    <a:lumMod val="85000"/>
+                    <a:lumOff val="15000"/>
+                  </a:schemeClr>
+                </a:solidFill>
+                <a:latin typeface="+mn-lt"/>
+                <a:ea typeface="+mn-ea"/>
+                <a:cs typeface="+mn-cs"/>
+              </a:defRPr>
+            </a:lvl5pPr>
+            <a:lvl6pPr marL="2286000" indent="0" algn="l" defTabSz="914400" rtl="0" eaLnBrk="1" latinLnBrk="0" hangingPunct="1">
+              <a:lnSpc>
+                <a:spcPct val="100000"/>
+              </a:lnSpc>
+              <a:spcBef>
+                <a:spcPts val="1000"/>
+              </a:spcBef>
+              <a:buClr>
+                <a:schemeClr val="accent2"/>
+              </a:buClr>
+              <a:buFont typeface="Arial" panose="020B0604020202020204" pitchFamily="34" charset="0"/>
+              <a:buNone/>
+              <a:defRPr sz="1000" kern="1200">
+                <a:solidFill>
+                  <a:schemeClr val="tx1"/>
+                </a:solidFill>
+                <a:latin typeface="+mn-lt"/>
+                <a:ea typeface="+mn-ea"/>
+                <a:cs typeface="+mn-cs"/>
+              </a:defRPr>
+            </a:lvl6pPr>
+            <a:lvl7pPr marL="2743200" indent="0" algn="l" defTabSz="914400" rtl="0" eaLnBrk="1" latinLnBrk="0" hangingPunct="1">
+              <a:lnSpc>
+                <a:spcPct val="100000"/>
+              </a:lnSpc>
+              <a:spcBef>
+                <a:spcPts val="1000"/>
+              </a:spcBef>
+              <a:buClr>
+                <a:schemeClr val="accent2"/>
+              </a:buClr>
+              <a:buFont typeface="Arial" panose="020B0604020202020204" pitchFamily="34" charset="0"/>
+              <a:buNone/>
+              <a:defRPr sz="1000" kern="1200">
+                <a:solidFill>
+                  <a:schemeClr val="tx1"/>
+                </a:solidFill>
+                <a:latin typeface="+mn-lt"/>
+                <a:ea typeface="+mn-ea"/>
+                <a:cs typeface="+mn-cs"/>
+              </a:defRPr>
+            </a:lvl7pPr>
+            <a:lvl8pPr marL="3200400" indent="0" algn="l" defTabSz="914400" rtl="0" eaLnBrk="1" latinLnBrk="0" hangingPunct="1">
+              <a:lnSpc>
+                <a:spcPct val="100000"/>
+              </a:lnSpc>
+              <a:spcBef>
+                <a:spcPts val="1000"/>
+              </a:spcBef>
+              <a:buClr>
+                <a:schemeClr val="accent2"/>
+              </a:buClr>
+              <a:buFont typeface="Arial" panose="020B0604020202020204" pitchFamily="34" charset="0"/>
+              <a:buNone/>
+              <a:defRPr sz="1000" kern="1200" baseline="0">
+                <a:solidFill>
+                  <a:schemeClr val="tx1"/>
+                </a:solidFill>
+                <a:latin typeface="+mn-lt"/>
+                <a:ea typeface="+mn-ea"/>
+                <a:cs typeface="+mn-cs"/>
+              </a:defRPr>
+            </a:lvl8pPr>
+            <a:lvl9pPr marL="3657600" indent="0" algn="l" defTabSz="914400" rtl="0" eaLnBrk="1" latinLnBrk="0" hangingPunct="1">
+              <a:lnSpc>
+                <a:spcPct val="100000"/>
+              </a:lnSpc>
+              <a:spcBef>
+                <a:spcPts val="1000"/>
+              </a:spcBef>
+              <a:buClr>
+                <a:schemeClr val="accent2"/>
+              </a:buClr>
+              <a:buFont typeface="Arial" panose="020B0604020202020204" pitchFamily="34" charset="0"/>
+              <a:buNone/>
+              <a:defRPr sz="1000" kern="1200" baseline="0">
+                <a:solidFill>
+                  <a:schemeClr val="tx1"/>
+                </a:solidFill>
+                <a:latin typeface="+mn-lt"/>
+                <a:ea typeface="+mn-ea"/>
+                <a:cs typeface="+mn-cs"/>
+              </a:defRPr>
+            </a:lvl9pPr>
+          </a:lstStyle>
+          <a:p>
+            <a:pPr marL="285750" indent="-285750" algn="l">
+              <a:buFont typeface="Arial" panose="020B0604020202020204" pitchFamily="34" charset="0"/>
+              <a:buChar char="•"/>
+            </a:pPr>
+            <a:r>
+              <a:rPr lang="en-US" sz="1800" dirty="0">
+                <a:latin typeface="Times New Roman" panose="02020603050405020304" pitchFamily="18" charset="0"/>
+                <a:cs typeface="Times New Roman" panose="02020603050405020304" pitchFamily="18" charset="0"/>
+              </a:rPr>
+              <a:t>Does seem that concurrent annealing while irradiating does affect minimum in </a:t>
+            </a:r>
+            <a:r>
+              <a:rPr lang="en-US" sz="1800" dirty="0" err="1">
+                <a:latin typeface="Times New Roman" panose="02020603050405020304" pitchFamily="18" charset="0"/>
+                <a:cs typeface="Times New Roman" panose="02020603050405020304" pitchFamily="18" charset="0"/>
+              </a:rPr>
+              <a:t>N_eff</a:t>
+            </a:r>
+            <a:endParaRPr lang="en-US" sz="1800" dirty="0">
+              <a:latin typeface="Times New Roman" panose="02020603050405020304" pitchFamily="18" charset="0"/>
+              <a:cs typeface="Times New Roman" panose="02020603050405020304" pitchFamily="18" charset="0"/>
+            </a:endParaRPr>
+          </a:p>
+          <a:p>
+            <a:pPr marL="285750" indent="-285750" algn="l">
+              <a:buFont typeface="Arial" panose="020B0604020202020204" pitchFamily="34" charset="0"/>
+              <a:buChar char="•"/>
+            </a:pPr>
+            <a:r>
+              <a:rPr lang="en-US" sz="1800" dirty="0">
+                <a:latin typeface="Times New Roman" panose="02020603050405020304" pitchFamily="18" charset="0"/>
+                <a:cs typeface="Times New Roman" panose="02020603050405020304" pitchFamily="18" charset="0"/>
+              </a:rPr>
+              <a:t>Difference between maximum and minimum estimated fluence for DIODE during Hamburg analysis:</a:t>
+            </a:r>
+          </a:p>
+          <a:p>
+            <a:pPr marL="742950" lvl="1" indent="-285750">
+              <a:buFont typeface="Arial" panose="020B0604020202020204" pitchFamily="34" charset="0"/>
+              <a:buChar char="•"/>
+            </a:pPr>
+            <a:r>
+              <a:rPr lang="en-US" sz="1700" b="1" dirty="0">
+                <a:latin typeface="Times New Roman" panose="02020603050405020304" pitchFamily="18" charset="0"/>
+                <a:cs typeface="Times New Roman" panose="02020603050405020304" pitchFamily="18" charset="0"/>
+              </a:rPr>
+              <a:t>2.2: </a:t>
+            </a:r>
+            <a:r>
+              <a:rPr lang="en-US" sz="1700" dirty="0">
+                <a:latin typeface="Times New Roman" panose="02020603050405020304" pitchFamily="18" charset="0"/>
+                <a:cs typeface="Times New Roman" panose="02020603050405020304" pitchFamily="18" charset="0"/>
+              </a:rPr>
+              <a:t>1.04E+15 vs. </a:t>
+            </a:r>
+            <a:r>
+              <a:rPr lang="en-US" sz="1800" dirty="0">
+                <a:latin typeface="Times New Roman" panose="02020603050405020304" pitchFamily="18" charset="0"/>
+                <a:cs typeface="Times New Roman" panose="02020603050405020304" pitchFamily="18" charset="0"/>
+              </a:rPr>
+              <a:t>9.28E+14</a:t>
+            </a:r>
+            <a:endParaRPr lang="en-US" sz="1700" dirty="0">
+              <a:latin typeface="Times New Roman" panose="02020603050405020304" pitchFamily="18" charset="0"/>
+              <a:cs typeface="Times New Roman" panose="02020603050405020304" pitchFamily="18" charset="0"/>
+            </a:endParaRPr>
+          </a:p>
+          <a:p>
+            <a:pPr marL="742950" lvl="1" indent="-285750">
+              <a:buFont typeface="Arial" panose="020B0604020202020204" pitchFamily="34" charset="0"/>
+              <a:buChar char="•"/>
+            </a:pPr>
+            <a:r>
+              <a:rPr lang="en-US" sz="1700" b="1" dirty="0">
+                <a:latin typeface="Times New Roman" panose="02020603050405020304" pitchFamily="18" charset="0"/>
+                <a:cs typeface="Times New Roman" panose="02020603050405020304" pitchFamily="18" charset="0"/>
+              </a:rPr>
+              <a:t>2.3: </a:t>
+            </a:r>
+            <a:r>
+              <a:rPr lang="en-US" sz="1800" dirty="0">
+                <a:latin typeface="Times New Roman" panose="02020603050405020304" pitchFamily="18" charset="0"/>
+                <a:cs typeface="Times New Roman" panose="02020603050405020304" pitchFamily="18" charset="0"/>
+              </a:rPr>
+              <a:t>3.99E+15 vs. 2.30E+15 </a:t>
+            </a:r>
+            <a:endParaRPr lang="en-US" sz="1700" dirty="0">
+              <a:latin typeface="Times New Roman" panose="02020603050405020304" pitchFamily="18" charset="0"/>
+              <a:cs typeface="Times New Roman" panose="02020603050405020304" pitchFamily="18" charset="0"/>
+            </a:endParaRPr>
+          </a:p>
+          <a:p>
+            <a:pPr marL="285750" indent="-285750" algn="l">
+              <a:buFont typeface="Arial" panose="020B0604020202020204" pitchFamily="34" charset="0"/>
+              <a:buChar char="•"/>
+            </a:pPr>
+            <a:r>
+              <a:rPr lang="en-US" sz="1800" dirty="0">
+                <a:latin typeface="Times New Roman" panose="02020603050405020304" pitchFamily="18" charset="0"/>
+                <a:cs typeface="Times New Roman" panose="02020603050405020304" pitchFamily="18" charset="0"/>
+              </a:rPr>
+              <a:t>Excellent Dep V estimates throughout analysis</a:t>
+            </a:r>
+          </a:p>
+          <a:p>
+            <a:pPr marL="285750" indent="-285750" algn="l">
+              <a:buFont typeface="Arial" panose="020B0604020202020204" pitchFamily="34" charset="0"/>
+              <a:buChar char="•"/>
+            </a:pPr>
+            <a:r>
+              <a:rPr lang="en-US" sz="1800" dirty="0">
+                <a:latin typeface="Times New Roman" panose="02020603050405020304" pitchFamily="18" charset="0"/>
+                <a:cs typeface="Times New Roman" panose="02020603050405020304" pitchFamily="18" charset="0"/>
+              </a:rPr>
+              <a:t>Have initial estimates for DIODEHALF and DIODEQUARTER area, fluence estimates for same cutout are ~15% off for HALF and ~50% off for QUARTER </a:t>
+            </a:r>
+          </a:p>
+          <a:p>
+            <a:pPr marL="285750" indent="-285750" algn="l">
+              <a:buFont typeface="Arial" panose="020B0604020202020204" pitchFamily="34" charset="0"/>
+              <a:buChar char="•"/>
+            </a:pPr>
+            <a:endParaRPr lang="en-US" sz="1300" dirty="0">
+              <a:latin typeface="Times New Roman" panose="02020603050405020304" pitchFamily="18" charset="0"/>
+              <a:cs typeface="Times New Roman" panose="02020603050405020304" pitchFamily="18" charset="0"/>
+            </a:endParaRPr>
+          </a:p>
+          <a:p>
+            <a:pPr marL="285750" indent="-285750" algn="l">
+              <a:buFont typeface="Arial" panose="020B0604020202020204" pitchFamily="34" charset="0"/>
+              <a:buChar char="•"/>
+            </a:pPr>
+            <a:endParaRPr lang="en-US" dirty="0"/>
+          </a:p>
+        </p:txBody>
+      </p:sp>
+    </p:spTree>
+    <p:extLst>
+      <p:ext uri="{BB962C8B-B14F-4D97-AF65-F5344CB8AC3E}">
+        <p14:creationId xmlns:p14="http://schemas.microsoft.com/office/powerpoint/2010/main" val="1075123794"/>
       </p:ext>
     </p:extLst>
   </p:cSld>

--- a/Diodes/HGCAL/Presentation/2022_02_HGCAL_Diodes_Hamburg.pptx
+++ b/Diodes/HGCAL/Presentation/2022_02_HGCAL_Diodes_Hamburg.pptx
@@ -3805,6 +3805,21 @@
                   <a:buFont typeface="Arial" panose="020B0604020202020204" pitchFamily="34" charset="0"/>
                   <a:buChar char="•"/>
                 </a:pPr>
+                <a:r>
+                  <a:rPr lang="en-US" sz="1300" dirty="0">
+                    <a:effectLst/>
+                    <a:latin typeface="Times New Roman" panose="02020603050405020304" pitchFamily="18" charset="0"/>
+                    <a:cs typeface="Times New Roman" panose="02020603050405020304" pitchFamily="18" charset="0"/>
+                  </a:rPr>
+                  <a:t>Equivalent annealing </a:t>
+                </a:r>
+                <a:r>
+                  <a:rPr lang="en-US" sz="1300" dirty="0">
+                    <a:latin typeface="Times New Roman" panose="02020603050405020304" pitchFamily="18" charset="0"/>
+                    <a:cs typeface="Times New Roman" panose="02020603050405020304" pitchFamily="18" charset="0"/>
+                  </a:rPr>
+                  <a:t>at 60C is 504 minutes</a:t>
+                </a:r>
                 <a:endParaRPr lang="en-US" sz="1300" dirty="0">
                   <a:effectLst/>
                   <a:latin typeface="Times New Roman" panose="02020603050405020304" pitchFamily="18" charset="0"/>
@@ -3846,7 +3861,7 @@
               <a:blipFill>
                 <a:blip r:embed="rId2"/>
                 <a:stretch>
-                  <a:fillRect l="-277"/>
+                  <a:fillRect l="-277" b="-1399"/>
                 </a:stretch>
               </a:blipFill>
             </p:spPr>
@@ -4078,7 +4093,7 @@
         </p:spPr>
         <p:txBody>
           <a:bodyPr>
-            <a:normAutofit/>
+            <a:normAutofit fontScale="92500" lnSpcReduction="10000"/>
           </a:bodyPr>
           <a:lstStyle/>
           <a:p>
@@ -4107,6 +4122,84 @@
               </a:rPr>
               <a:t>Planning on annealing up to ~ 600 minutes, but in larger steps of 30 – 60 minutes</a:t>
             </a:r>
+          </a:p>
+          <a:p>
+            <a:pPr marL="285750" indent="-285750" algn="l">
+              <a:buFont typeface="Arial" panose="020B0604020202020204" pitchFamily="34" charset="0"/>
+              <a:buChar char="•"/>
+            </a:pPr>
+            <a:r>
+              <a:rPr lang="en-US" sz="1300" dirty="0">
+                <a:latin typeface="Times New Roman" panose="02020603050405020304" pitchFamily="18" charset="0"/>
+                <a:cs typeface="Times New Roman" panose="02020603050405020304" pitchFamily="18" charset="0"/>
+              </a:rPr>
+              <a:t>Equivalent annealing at 60C: </a:t>
+            </a:r>
+          </a:p>
+          <a:p>
+            <a:pPr marL="742950" lvl="1" indent="-285750">
+              <a:buFont typeface="Arial" panose="020B0604020202020204" pitchFamily="34" charset="0"/>
+              <a:buChar char="•"/>
+            </a:pPr>
+            <a:r>
+              <a:rPr lang="en-US" sz="1200" dirty="0">
+                <a:latin typeface="Times New Roman" panose="02020603050405020304" pitchFamily="18" charset="0"/>
+                <a:cs typeface="Times New Roman" panose="02020603050405020304" pitchFamily="18" charset="0"/>
+              </a:rPr>
+              <a:t>Back: 5.62 min</a:t>
+            </a:r>
+          </a:p>
+          <a:p>
+            <a:pPr marL="742950" lvl="1" indent="-285750">
+              <a:buFont typeface="Arial" panose="020B0604020202020204" pitchFamily="34" charset="0"/>
+              <a:buChar char="•"/>
+            </a:pPr>
+            <a:r>
+              <a:rPr lang="en-US" sz="1200" dirty="0">
+                <a:latin typeface="Times New Roman" panose="02020603050405020304" pitchFamily="18" charset="0"/>
+                <a:cs typeface="Times New Roman" panose="02020603050405020304" pitchFamily="18" charset="0"/>
+              </a:rPr>
+              <a:t>Front: 374 min</a:t>
+            </a:r>
+          </a:p>
+          <a:p>
+            <a:pPr marL="742950" lvl="1" indent="-285750">
+              <a:buFont typeface="Arial" panose="020B0604020202020204" pitchFamily="34" charset="0"/>
+              <a:buChar char="•"/>
+            </a:pPr>
+            <a:endParaRPr lang="en-US" sz="1200" dirty="0">
+              <a:latin typeface="Times New Roman" panose="02020603050405020304" pitchFamily="18" charset="0"/>
+              <a:cs typeface="Times New Roman" panose="02020603050405020304" pitchFamily="18" charset="0"/>
+            </a:endParaRPr>
+          </a:p>
+          <a:p>
+            <a:pPr marL="285750" indent="-285750" algn="l">
+              <a:buFont typeface="Arial" panose="020B0604020202020204" pitchFamily="34" charset="0"/>
+              <a:buChar char="•"/>
+            </a:pPr>
+            <a:endParaRPr lang="en-US" sz="1300" dirty="0">
+              <a:effectLst/>
+              <a:latin typeface="Times New Roman" panose="02020603050405020304" pitchFamily="18" charset="0"/>
+              <a:cs typeface="Times New Roman" panose="02020603050405020304" pitchFamily="18" charset="0"/>
+            </a:endParaRPr>
+          </a:p>
+          <a:p>
+            <a:pPr marL="285750" indent="-285750" algn="l">
+              <a:buFont typeface="Arial" panose="020B0604020202020204" pitchFamily="34" charset="0"/>
+              <a:buChar char="•"/>
+            </a:pPr>
+            <a:endParaRPr lang="en-US" sz="1300" dirty="0">
+              <a:latin typeface="Times New Roman" panose="02020603050405020304" pitchFamily="18" charset="0"/>
+              <a:cs typeface="Times New Roman" panose="02020603050405020304" pitchFamily="18" charset="0"/>
+            </a:endParaRPr>
+          </a:p>
+          <a:p>
+            <a:pPr algn="l"/>
+            <a:endParaRPr lang="en-US" sz="1300" dirty="0">
+              <a:effectLst/>
+              <a:latin typeface="Times New Roman" panose="02020603050405020304" pitchFamily="18" charset="0"/>
+              <a:cs typeface="Times New Roman" panose="02020603050405020304" pitchFamily="18" charset="0"/>
+            </a:endParaRPr>
           </a:p>
           <a:p>
             <a:pPr marL="285750" indent="-285750" algn="l">
@@ -4561,10 +4654,13 @@
               </a:rPr>
               <a:t>N_eff</a:t>
             </a:r>
-            <a:endParaRPr lang="en-US" sz="1800" dirty="0">
-              <a:latin typeface="Times New Roman" panose="02020603050405020304" pitchFamily="18" charset="0"/>
-              <a:cs typeface="Times New Roman" panose="02020603050405020304" pitchFamily="18" charset="0"/>
-            </a:endParaRPr>
+            <a:r>
+              <a:rPr lang="en-US" sz="1800" dirty="0">
+                <a:latin typeface="Times New Roman" panose="02020603050405020304" pitchFamily="18" charset="0"/>
+                <a:cs typeface="Times New Roman" panose="02020603050405020304" pitchFamily="18" charset="0"/>
+              </a:rPr>
+              <a:t>, though unsure of how to model to effect</a:t>
+            </a:r>
           </a:p>
           <a:p>
             <a:pPr marL="285750" indent="-285750" algn="l">

--- a/Diodes/HGCAL/Presentation/2022_02_HGCAL_Diodes_Hamburg.pptx
+++ b/Diodes/HGCAL/Presentation/2022_02_HGCAL_Diodes_Hamburg.pptx
@@ -270,7 +270,7 @@
           <a:p>
             <a:fld id="{1160EA64-D806-43AC-9DF2-F8C432F32B4C}" type="datetimeFigureOut">
               <a:rPr lang="en-US" smtClean="0"/>
-              <a:t>2/4/22</a:t>
+              <a:t>2/11/22</a:t>
             </a:fld>
             <a:endParaRPr lang="en-US" dirty="0"/>
           </a:p>
@@ -441,7 +441,7 @@
           <a:p>
             <a:fld id="{E9F9C37B-1D36-470B-8223-D6C91242EC14}" type="datetimeFigureOut">
               <a:rPr lang="en-US" smtClean="0"/>
-              <a:t>2/4/22</a:t>
+              <a:t>2/11/22</a:t>
             </a:fld>
             <a:endParaRPr lang="en-US" dirty="0"/>
           </a:p>
@@ -621,7 +621,7 @@
           <a:p>
             <a:fld id="{67C6F52A-A82B-47A2-A83A-8C4C91F2D59F}" type="datetimeFigureOut">
               <a:rPr lang="en-US" smtClean="0"/>
-              <a:t>2/4/22</a:t>
+              <a:t>2/11/22</a:t>
             </a:fld>
             <a:endParaRPr lang="en-US" dirty="0"/>
           </a:p>
@@ -791,7 +791,7 @@
           <a:p>
             <a:fld id="{F070A7B3-6521-4DCA-87E5-044747A908C1}" type="datetimeFigureOut">
               <a:rPr lang="en-US" smtClean="0"/>
-              <a:t>2/4/22</a:t>
+              <a:t>2/11/22</a:t>
             </a:fld>
             <a:endParaRPr lang="en-US" dirty="0"/>
           </a:p>
@@ -1052,7 +1052,7 @@
           <a:p>
             <a:fld id="{1160EA64-D806-43AC-9DF2-F8C432F32B4C}" type="datetimeFigureOut">
               <a:rPr lang="en-US" smtClean="0"/>
-              <a:t>2/4/22</a:t>
+              <a:t>2/11/22</a:t>
             </a:fld>
             <a:endParaRPr lang="en-US" dirty="0"/>
           </a:p>
@@ -1285,7 +1285,7 @@
           <a:p>
             <a:fld id="{AB134690-1557-4C89-A502-4959FE7FAD70}" type="datetimeFigureOut">
               <a:rPr lang="en-US" smtClean="0"/>
-              <a:t>2/4/22</a:t>
+              <a:t>2/11/22</a:t>
             </a:fld>
             <a:endParaRPr lang="en-US" dirty="0"/>
           </a:p>
@@ -1640,7 +1640,7 @@
           <a:p>
             <a:fld id="{1160EA64-D806-43AC-9DF2-F8C432F32B4C}" type="datetimeFigureOut">
               <a:rPr lang="en-US" smtClean="0"/>
-              <a:t>2/4/22</a:t>
+              <a:t>2/11/22</a:t>
             </a:fld>
             <a:endParaRPr lang="en-US" dirty="0"/>
           </a:p>
@@ -1783,7 +1783,7 @@
           <a:p>
             <a:fld id="{E1037C31-9E7A-4F99-8774-A0E530DE1A42}" type="datetimeFigureOut">
               <a:rPr lang="en-US" smtClean="0"/>
-              <a:t>2/4/22</a:t>
+              <a:t>2/11/22</a:t>
             </a:fld>
             <a:endParaRPr lang="en-US" dirty="0"/>
           </a:p>
@@ -1878,7 +1878,7 @@
           <a:p>
             <a:fld id="{C278504F-A551-4DE0-9316-4DCD1D8CC752}" type="datetimeFigureOut">
               <a:rPr lang="en-US" smtClean="0"/>
-              <a:t>2/4/22</a:t>
+              <a:t>2/11/22</a:t>
             </a:fld>
             <a:endParaRPr lang="en-US" dirty="0"/>
           </a:p>
@@ -2235,7 +2235,7 @@
           <a:p>
             <a:fld id="{D1BE4249-C0D0-4B06-8692-E8BB871AF643}" type="datetimeFigureOut">
               <a:rPr lang="en-US" smtClean="0"/>
-              <a:t>2/4/22</a:t>
+              <a:t>2/11/22</a:t>
             </a:fld>
             <a:endParaRPr lang="en-US" dirty="0"/>
           </a:p>
@@ -2553,7 +2553,7 @@
           <a:p>
             <a:fld id="{042B0DB6-F5C7-45FB-8CF3-31B45F9C2DAC}" type="datetimeFigureOut">
               <a:rPr lang="en-US" smtClean="0"/>
-              <a:t>2/4/22</a:t>
+              <a:t>2/11/22</a:t>
             </a:fld>
             <a:endParaRPr lang="en-US" dirty="0"/>
           </a:p>
@@ -2798,7 +2798,7 @@
           <a:p>
             <a:fld id="{1160EA64-D806-43AC-9DF2-F8C432F32B4C}" type="datetimeFigureOut">
               <a:rPr lang="en-US" smtClean="0"/>
-              <a:t>2/4/22</a:t>
+              <a:t>2/11/22</a:t>
             </a:fld>
             <a:endParaRPr lang="en-US" dirty="0"/>
           </a:p>
@@ -3554,7 +3554,7 @@
             </a:r>
             <a:r>
               <a:rPr lang="en-US" dirty="0"/>
-              <a:t> 2.2 Hamburg Model Fit</a:t>
+              <a:t> 2.2 Hamburg Model Fit (43 min)</a:t>
             </a:r>
           </a:p>
         </p:txBody>
@@ -3579,7 +3579,7 @@
             </p:nvSpPr>
             <p:spPr>
               <a:xfrm>
-                <a:off x="674463" y="2748529"/>
+                <a:off x="674647" y="1846318"/>
                 <a:ext cx="4579926" cy="1800966"/>
               </a:xfrm>
             </p:spPr>
@@ -3855,13 +3855,13 @@
             </p:nvSpPr>
             <p:spPr>
               <a:xfrm>
-                <a:off x="674463" y="2748529"/>
+                <a:off x="674647" y="1846318"/>
                 <a:ext cx="4579926" cy="1800966"/>
               </a:xfrm>
               <a:blipFill>
                 <a:blip r:embed="rId2"/>
                 <a:stretch>
-                  <a:fillRect l="-277" b="-1399"/>
+                  <a:fillRect l="-277" t="-699" b="-1399"/>
                 </a:stretch>
               </a:blipFill>
             </p:spPr>
@@ -3912,10 +3912,10 @@
       </p:pic>
       <p:pic>
         <p:nvPicPr>
-          <p:cNvPr id="18" name="Picture 17" descr="Diagram&#10;&#10;Description automatically generated">
+          <p:cNvPr id="8" name="Picture 7" descr="Chart, line chart&#10;&#10;Description automatically generated">
             <a:extLst>
               <a:ext uri="{FF2B5EF4-FFF2-40B4-BE49-F238E27FC236}">
-                <a16:creationId xmlns:a16="http://schemas.microsoft.com/office/drawing/2014/main" id="{8C46B013-4F6B-E34D-A51A-2C429AFFDB45}"/>
+                <a16:creationId xmlns:a16="http://schemas.microsoft.com/office/drawing/2014/main" id="{67BA8B4E-4912-D944-A089-87A35D964490}"/>
               </a:ext>
             </a:extLst>
           </p:cNvPr>
@@ -3932,8 +3932,8 @@
         </p:blipFill>
         <p:spPr>
           <a:xfrm>
-            <a:off x="1450493" y="1067525"/>
-            <a:ext cx="3028233" cy="1285873"/>
+            <a:off x="6096000" y="-4461"/>
+            <a:ext cx="6096000" cy="3279028"/>
           </a:xfrm>
           <a:prstGeom prst="rect">
             <a:avLst/>
@@ -3942,10 +3942,10 @@
       </p:pic>
       <p:pic>
         <p:nvPicPr>
-          <p:cNvPr id="8" name="Picture 7" descr="Chart, line chart&#10;&#10;Description automatically generated">
+          <p:cNvPr id="6" name="Picture 5" descr="Chart&#10;&#10;Description automatically generated">
             <a:extLst>
               <a:ext uri="{FF2B5EF4-FFF2-40B4-BE49-F238E27FC236}">
-                <a16:creationId xmlns:a16="http://schemas.microsoft.com/office/drawing/2014/main" id="{67BA8B4E-4912-D944-A089-87A35D964490}"/>
+                <a16:creationId xmlns:a16="http://schemas.microsoft.com/office/drawing/2014/main" id="{CB1141A4-B160-AF4E-9921-F2168C6C8A50}"/>
               </a:ext>
             </a:extLst>
           </p:cNvPr>
@@ -3962,38 +3962,8 @@
         </p:blipFill>
         <p:spPr>
           <a:xfrm>
-            <a:off x="6096000" y="-4461"/>
-            <a:ext cx="6096000" cy="3279028"/>
-          </a:xfrm>
-          <a:prstGeom prst="rect">
-            <a:avLst/>
-          </a:prstGeom>
-        </p:spPr>
-      </p:pic>
-      <p:pic>
-        <p:nvPicPr>
-          <p:cNvPr id="4" name="Picture 3" descr="Chart, line chart&#10;&#10;Description automatically generated">
-            <a:extLst>
-              <a:ext uri="{FF2B5EF4-FFF2-40B4-BE49-F238E27FC236}">
-                <a16:creationId xmlns:a16="http://schemas.microsoft.com/office/drawing/2014/main" id="{E0C21026-BB7C-A043-BF4C-988B787D2F05}"/>
-              </a:ext>
-            </a:extLst>
-          </p:cNvPr>
-          <p:cNvPicPr>
-            <a:picLocks noChangeAspect="1"/>
-          </p:cNvPicPr>
-          <p:nvPr/>
-        </p:nvPicPr>
-        <p:blipFill>
-          <a:blip r:embed="rId6"/>
-          <a:stretch>
-            <a:fillRect/>
-          </a:stretch>
-        </p:blipFill>
-        <p:spPr>
-          <a:xfrm>
-            <a:off x="6096000" y="3274567"/>
-            <a:ext cx="6096000" cy="3583432"/>
+            <a:off x="6096000" y="3174046"/>
+            <a:ext cx="6096000" cy="3683953"/>
           </a:xfrm>
           <a:prstGeom prst="rect">
             <a:avLst/>
@@ -4064,7 +4034,7 @@
             </a:r>
             <a:r>
               <a:rPr lang="en-US" dirty="0"/>
-              <a:t> 2.3 Hamburg Model Fit</a:t>
+              <a:t> 2.3 Hamburg Model Fit (86 min)</a:t>
             </a:r>
           </a:p>
         </p:txBody>
@@ -4087,13 +4057,13 @@
         </p:nvSpPr>
         <p:spPr>
           <a:xfrm>
-            <a:off x="813089" y="2812964"/>
+            <a:off x="755054" y="1859707"/>
             <a:ext cx="4419111" cy="1796872"/>
           </a:xfrm>
         </p:spPr>
         <p:txBody>
           <a:bodyPr>
-            <a:normAutofit fontScale="92500" lnSpcReduction="10000"/>
+            <a:normAutofit/>
           </a:bodyPr>
           <a:lstStyle/>
           <a:p>
@@ -4106,21 +4076,7 @@
                 <a:latin typeface="Times New Roman" panose="02020603050405020304" pitchFamily="18" charset="0"/>
                 <a:cs typeface="Times New Roman" panose="02020603050405020304" pitchFamily="18" charset="0"/>
               </a:rPr>
-              <a:t>At ~ 40 minutes DIODE registers 2.78E+15 fluence (1 MeV n/cm^-2)</a:t>
-            </a:r>
-          </a:p>
-          <a:p>
-            <a:pPr marL="285750" indent="-285750" algn="l">
-              <a:buFont typeface="Arial" panose="020B0604020202020204" pitchFamily="34" charset="0"/>
-              <a:buChar char="•"/>
-            </a:pPr>
-            <a:r>
-              <a:rPr lang="en-US" sz="1300" dirty="0">
-                <a:effectLst/>
-                <a:latin typeface="Times New Roman" panose="02020603050405020304" pitchFamily="18" charset="0"/>
-                <a:cs typeface="Times New Roman" panose="02020603050405020304" pitchFamily="18" charset="0"/>
-              </a:rPr>
-              <a:t>Planning on annealing up to ~ 600 minutes, but in larger steps of 30 – 60 minutes</a:t>
+              <a:t>At ~ 40 minutes DIODE registers 2.78E+15 fluence (1 MeV n/cm^-2) </a:t>
             </a:r>
           </a:p>
           <a:p>
@@ -4221,66 +4177,6 @@
           </a:p>
         </p:txBody>
       </p:sp>
-      <p:pic>
-        <p:nvPicPr>
-          <p:cNvPr id="10" name="Picture 9" descr="Diagram&#10;&#10;Description automatically generated">
-            <a:extLst>
-              <a:ext uri="{FF2B5EF4-FFF2-40B4-BE49-F238E27FC236}">
-                <a16:creationId xmlns:a16="http://schemas.microsoft.com/office/drawing/2014/main" id="{37122DFD-FA76-5647-8022-738F0F4BFA86}"/>
-              </a:ext>
-            </a:extLst>
-          </p:cNvPr>
-          <p:cNvPicPr>
-            <a:picLocks noChangeAspect="1"/>
-          </p:cNvPicPr>
-          <p:nvPr/>
-        </p:nvPicPr>
-        <p:blipFill>
-          <a:blip r:embed="rId2"/>
-          <a:stretch>
-            <a:fillRect/>
-          </a:stretch>
-        </p:blipFill>
-        <p:spPr>
-          <a:xfrm>
-            <a:off x="1450493" y="1067525"/>
-            <a:ext cx="3028233" cy="1285873"/>
-          </a:xfrm>
-          <a:prstGeom prst="rect">
-            <a:avLst/>
-          </a:prstGeom>
-        </p:spPr>
-      </p:pic>
-      <p:pic>
-        <p:nvPicPr>
-          <p:cNvPr id="4" name="Picture 3" descr="Chart&#10;&#10;Description automatically generated">
-            <a:extLst>
-              <a:ext uri="{FF2B5EF4-FFF2-40B4-BE49-F238E27FC236}">
-                <a16:creationId xmlns:a16="http://schemas.microsoft.com/office/drawing/2014/main" id="{B60A74C8-65CC-C948-9088-BE42E4D2200F}"/>
-              </a:ext>
-            </a:extLst>
-          </p:cNvPr>
-          <p:cNvPicPr>
-            <a:picLocks noChangeAspect="1"/>
-          </p:cNvPicPr>
-          <p:nvPr/>
-        </p:nvPicPr>
-        <p:blipFill>
-          <a:blip r:embed="rId3"/>
-          <a:stretch>
-            <a:fillRect/>
-          </a:stretch>
-        </p:blipFill>
-        <p:spPr>
-          <a:xfrm>
-            <a:off x="6096000" y="3170955"/>
-            <a:ext cx="6096000" cy="3657600"/>
-          </a:xfrm>
-          <a:prstGeom prst="rect">
-            <a:avLst/>
-          </a:prstGeom>
-        </p:spPr>
-      </p:pic>
       <p:pic>
         <p:nvPicPr>
           <p:cNvPr id="9" name="Picture 8" descr="Table&#10;&#10;Description automatically generated">
@@ -4296,7 +4192,7 @@
           <p:nvPr/>
         </p:nvPicPr>
         <p:blipFill>
-          <a:blip r:embed="rId4"/>
+          <a:blip r:embed="rId2"/>
           <a:stretch>
             <a:fillRect/>
           </a:stretch>
@@ -4328,7 +4224,7 @@
           </p:nvPr>
         </p:nvPicPr>
         <p:blipFill>
-          <a:blip r:embed="rId5"/>
+          <a:blip r:embed="rId3"/>
           <a:stretch>
             <a:fillRect/>
           </a:stretch>
@@ -4338,6 +4234,36 @@
             <a:off x="6096000" y="0"/>
             <a:ext cx="6095999" cy="3170955"/>
           </a:xfrm>
+        </p:spPr>
+      </p:pic>
+      <p:pic>
+        <p:nvPicPr>
+          <p:cNvPr id="6" name="Picture 5" descr="Chart&#10;&#10;Description automatically generated">
+            <a:extLst>
+              <a:ext uri="{FF2B5EF4-FFF2-40B4-BE49-F238E27FC236}">
+                <a16:creationId xmlns:a16="http://schemas.microsoft.com/office/drawing/2014/main" id="{6FDDB531-6CFA-0044-A380-5ECCF778B754}"/>
+              </a:ext>
+            </a:extLst>
+          </p:cNvPr>
+          <p:cNvPicPr>
+            <a:picLocks noChangeAspect="1"/>
+          </p:cNvPicPr>
+          <p:nvPr/>
+        </p:nvPicPr>
+        <p:blipFill>
+          <a:blip r:embed="rId4"/>
+          <a:stretch>
+            <a:fillRect/>
+          </a:stretch>
+        </p:blipFill>
+        <p:spPr>
+          <a:xfrm>
+            <a:off x="6096000" y="3087584"/>
+            <a:ext cx="6096000" cy="3770416"/>
+          </a:xfrm>
+          <a:prstGeom prst="rect">
+            <a:avLst/>
+          </a:prstGeom>
         </p:spPr>
       </p:pic>
     </p:spTree>
@@ -4421,8 +4347,8 @@
         </p:nvSpPr>
         <p:spPr>
           <a:xfrm>
-            <a:off x="2704721" y="2501711"/>
-            <a:ext cx="6782557" cy="3203054"/>
+            <a:off x="2502841" y="2038290"/>
+            <a:ext cx="6843040" cy="4053468"/>
           </a:xfrm>
           <a:prstGeom prst="rect">
             <a:avLst/>
@@ -4430,7 +4356,7 @@
         </p:spPr>
         <p:txBody>
           <a:bodyPr vert="horz" lIns="91440" tIns="45720" rIns="91440" bIns="45720" rtlCol="0" anchor="t" anchorCtr="1">
-            <a:normAutofit fontScale="92500" lnSpcReduction="10000"/>
+            <a:normAutofit/>
           </a:bodyPr>
           <a:lstStyle>
             <a:lvl1pPr marL="0" indent="0" algn="ctr" defTabSz="914400" rtl="0" eaLnBrk="1" latinLnBrk="0" hangingPunct="1">
@@ -4754,6 +4680,19 @@
                 <a:cs typeface="Times New Roman" panose="02020603050405020304" pitchFamily="18" charset="0"/>
               </a:rPr>
               <a:t>Have initial estimates for DIODEHALF and DIODEQUARTER area, fluence estimates for same cutout are ~15% off for HALF and ~50% off for QUARTER </a:t>
+            </a:r>
+          </a:p>
+          <a:p>
+            <a:pPr marL="285750" indent="-285750" algn="l">
+              <a:buFont typeface="Arial" panose="020B0604020202020204" pitchFamily="34" charset="0"/>
+              <a:buChar char="•"/>
+            </a:pPr>
+            <a:r>
+              <a:rPr lang="en-US" sz="1800" dirty="0">
+                <a:latin typeface="Times New Roman" panose="02020603050405020304" pitchFamily="18" charset="0"/>
+                <a:cs typeface="Times New Roman" panose="02020603050405020304" pitchFamily="18" charset="0"/>
+              </a:rPr>
+              <a:t>How should I anneal future HGCAL diodes?</a:t>
             </a:r>
           </a:p>
           <a:p>

--- a/Diodes/HGCAL/Presentation/2022_02_HGCAL_Diodes_Hamburg.pptx
+++ b/Diodes/HGCAL/Presentation/2022_02_HGCAL_Diodes_Hamburg.pptx
@@ -4598,7 +4598,7 @@
                 <a:latin typeface="Times New Roman" panose="02020603050405020304" pitchFamily="18" charset="0"/>
                 <a:cs typeface="Times New Roman" panose="02020603050405020304" pitchFamily="18" charset="0"/>
               </a:rPr>
-              <a:t>Difference between maximum and minimum estimated fluence for DIODE during Hamburg analysis:</a:t>
+              <a:t>Difference between maximum and minimum estimated fluence during Hamburg analysis:</a:t>
             </a:r>
           </a:p>
           <a:p>
@@ -4618,14 +4618,14 @@
                 <a:latin typeface="Times New Roman" panose="02020603050405020304" pitchFamily="18" charset="0"/>
                 <a:cs typeface="Times New Roman" panose="02020603050405020304" pitchFamily="18" charset="0"/>
               </a:rPr>
-              <a:t>1.04E+15 vs. </a:t>
-            </a:r>
-            <a:r>
-              <a:rPr lang="en-US" sz="1800" dirty="0">
+              <a:t>1.56E+15 vs. </a:t>
+            </a:r>
+            <a:r>
+              <a:rPr lang="en-US" sz="1800">
                 <a:latin typeface="Times New Roman" panose="02020603050405020304" pitchFamily="18" charset="0"/>
                 <a:cs typeface="Times New Roman" panose="02020603050405020304" pitchFamily="18" charset="0"/>
               </a:rPr>
-              <a:t>9.28E+14</a:t>
+              <a:t>1.46+15  </a:t>
             </a:r>
             <a:endParaRPr lang="en-US" sz="1700" dirty="0">
               <a:latin typeface="Times New Roman" panose="02020603050405020304" pitchFamily="18" charset="0"/>
@@ -4649,15 +4649,11 @@
                 <a:latin typeface="Times New Roman" panose="02020603050405020304" pitchFamily="18" charset="0"/>
                 <a:cs typeface="Times New Roman" panose="02020603050405020304" pitchFamily="18" charset="0"/>
               </a:rPr>
-              <a:t>3.99E+15 vs. 2.30E+15 </a:t>
-            </a:r>
-            <a:endParaRPr lang="en-US" sz="1700" dirty="0">
-              <a:latin typeface="Times New Roman" panose="02020603050405020304" pitchFamily="18" charset="0"/>
-              <a:cs typeface="Times New Roman" panose="02020603050405020304" pitchFamily="18" charset="0"/>
-            </a:endParaRPr>
-          </a:p>
-          <a:p>
-            <a:pPr marL="285750" indent="-285750" algn="l">
+              <a:t>3.99E+15 vs. 2.30E+15  </a:t>
+            </a:r>
+          </a:p>
+          <a:p>
+            <a:pPr marL="742950" lvl="1" indent="-285750">
               <a:buFont typeface="Arial" panose="020B0604020202020204" pitchFamily="34" charset="0"/>
               <a:buChar char="•"/>
             </a:pPr>
